--- a/Презентация1.pptx
+++ b/Презентация1.pptx
@@ -10,6 +10,7 @@
     <p:sldId id="258" r:id="rId4"/>
     <p:sldId id="259" r:id="rId5"/>
     <p:sldId id="260" r:id="rId6"/>
+    <p:sldId id="261" r:id="rId7"/>
   </p:sldIdLst>
   <p:sldSz cx="12192000" cy="6858000"/>
   <p:notesSz cx="6858000" cy="9144000"/>
@@ -108,6 +109,11 @@
       </a:defRPr>
     </a:lvl9pPr>
   </p:defaultTextStyle>
+  <p:extLst>
+    <p:ext uri="{EFAFB233-063F-42B5-8137-9DF3F51BA10A}">
+      <p15:sldGuideLst xmlns:p15="http://schemas.microsoft.com/office/powerpoint/2012/main"/>
+    </p:ext>
+  </p:extLst>
 </p:presentation>
 </file>
 
@@ -2346,7 +2352,7 @@
           </a:pPr>
           <a:r>
             <a:rPr lang="uk" sz="1100" dirty="0"/>
-            <a:t>Були проблеми з самою задумкою та кнопками</a:t>
+            <a:t>Були проблеми з самою задумкою та кнопками,</a:t>
           </a:r>
         </a:p>
         <a:p>
@@ -3310,7 +3316,7 @@
           </a:pPr>
           <a:r>
             <a:rPr lang="uk" sz="1100" kern="1200" dirty="0"/>
-            <a:t>Були проблеми з самою задумкою та кнопками</a:t>
+            <a:t>Були проблеми з самою задумкою та кнопками,</a:t>
           </a:r>
         </a:p>
         <a:p>
@@ -6350,7 +6356,7 @@
           <a:p>
             <a:fld id="{F2193382-E9FB-4002-95B7-60D75325AF88}" type="datetimeFigureOut">
               <a:rPr lang="uk-UA" smtClean="0"/>
-              <a:t>21.04.2023</a:t>
+              <a:t>23.04.2023</a:t>
             </a:fld>
             <a:endParaRPr lang="uk-UA"/>
           </a:p>
@@ -6786,7 +6792,7 @@
           <a:p>
             <a:fld id="{F2193382-E9FB-4002-95B7-60D75325AF88}" type="datetimeFigureOut">
               <a:rPr lang="uk-UA" smtClean="0"/>
-              <a:t>21.04.2023</a:t>
+              <a:t>23.04.2023</a:t>
             </a:fld>
             <a:endParaRPr lang="uk-UA"/>
           </a:p>
@@ -7036,7 +7042,7 @@
           <a:p>
             <a:fld id="{F2193382-E9FB-4002-95B7-60D75325AF88}" type="datetimeFigureOut">
               <a:rPr lang="uk-UA" smtClean="0"/>
-              <a:t>21.04.2023</a:t>
+              <a:t>23.04.2023</a:t>
             </a:fld>
             <a:endParaRPr lang="uk-UA"/>
           </a:p>
@@ -7344,7 +7350,7 @@
           <a:p>
             <a:fld id="{F2193382-E9FB-4002-95B7-60D75325AF88}" type="datetimeFigureOut">
               <a:rPr lang="uk-UA" smtClean="0"/>
-              <a:t>21.04.2023</a:t>
+              <a:t>23.04.2023</a:t>
             </a:fld>
             <a:endParaRPr lang="uk-UA"/>
           </a:p>
@@ -7662,7 +7668,7 @@
           <a:p>
             <a:fld id="{F2193382-E9FB-4002-95B7-60D75325AF88}" type="datetimeFigureOut">
               <a:rPr lang="uk-UA" smtClean="0"/>
-              <a:t>21.04.2023</a:t>
+              <a:t>23.04.2023</a:t>
             </a:fld>
             <a:endParaRPr lang="uk-UA"/>
           </a:p>
@@ -7964,7 +7970,7 @@
           <a:p>
             <a:fld id="{F2193382-E9FB-4002-95B7-60D75325AF88}" type="datetimeFigureOut">
               <a:rPr lang="uk-UA" smtClean="0"/>
-              <a:t>21.04.2023</a:t>
+              <a:t>23.04.2023</a:t>
             </a:fld>
             <a:endParaRPr lang="uk-UA"/>
           </a:p>
@@ -8331,7 +8337,7 @@
           <a:p>
             <a:fld id="{F2193382-E9FB-4002-95B7-60D75325AF88}" type="datetimeFigureOut">
               <a:rPr lang="uk-UA" smtClean="0"/>
-              <a:t>21.04.2023</a:t>
+              <a:t>23.04.2023</a:t>
             </a:fld>
             <a:endParaRPr lang="uk-UA"/>
           </a:p>
@@ -8505,7 +8511,7 @@
           <a:p>
             <a:fld id="{F2193382-E9FB-4002-95B7-60D75325AF88}" type="datetimeFigureOut">
               <a:rPr lang="uk-UA" smtClean="0"/>
-              <a:t>21.04.2023</a:t>
+              <a:t>23.04.2023</a:t>
             </a:fld>
             <a:endParaRPr lang="uk-UA"/>
           </a:p>
@@ -8685,7 +8691,7 @@
           <a:p>
             <a:fld id="{F2193382-E9FB-4002-95B7-60D75325AF88}" type="datetimeFigureOut">
               <a:rPr lang="uk-UA" smtClean="0"/>
-              <a:t>21.04.2023</a:t>
+              <a:t>23.04.2023</a:t>
             </a:fld>
             <a:endParaRPr lang="uk-UA"/>
           </a:p>
@@ -8855,7 +8861,7 @@
           <a:p>
             <a:fld id="{F2193382-E9FB-4002-95B7-60D75325AF88}" type="datetimeFigureOut">
               <a:rPr lang="uk-UA" smtClean="0"/>
-              <a:t>21.04.2023</a:t>
+              <a:t>23.04.2023</a:t>
             </a:fld>
             <a:endParaRPr lang="uk-UA"/>
           </a:p>
@@ -9105,7 +9111,7 @@
           <a:p>
             <a:fld id="{F2193382-E9FB-4002-95B7-60D75325AF88}" type="datetimeFigureOut">
               <a:rPr lang="uk-UA" smtClean="0"/>
-              <a:t>21.04.2023</a:t>
+              <a:t>23.04.2023</a:t>
             </a:fld>
             <a:endParaRPr lang="uk-UA"/>
           </a:p>
@@ -9341,7 +9347,7 @@
           <a:p>
             <a:fld id="{F2193382-E9FB-4002-95B7-60D75325AF88}" type="datetimeFigureOut">
               <a:rPr lang="uk-UA" smtClean="0"/>
-              <a:t>21.04.2023</a:t>
+              <a:t>23.04.2023</a:t>
             </a:fld>
             <a:endParaRPr lang="uk-UA"/>
           </a:p>
@@ -9723,7 +9729,7 @@
           <a:p>
             <a:fld id="{F2193382-E9FB-4002-95B7-60D75325AF88}" type="datetimeFigureOut">
               <a:rPr lang="uk-UA" smtClean="0"/>
-              <a:t>21.04.2023</a:t>
+              <a:t>23.04.2023</a:t>
             </a:fld>
             <a:endParaRPr lang="uk-UA"/>
           </a:p>
@@ -9841,7 +9847,7 @@
           <a:p>
             <a:fld id="{F2193382-E9FB-4002-95B7-60D75325AF88}" type="datetimeFigureOut">
               <a:rPr lang="uk-UA" smtClean="0"/>
-              <a:t>21.04.2023</a:t>
+              <a:t>23.04.2023</a:t>
             </a:fld>
             <a:endParaRPr lang="uk-UA"/>
           </a:p>
@@ -9936,7 +9942,7 @@
           <a:p>
             <a:fld id="{F2193382-E9FB-4002-95B7-60D75325AF88}" type="datetimeFigureOut">
               <a:rPr lang="uk-UA" smtClean="0"/>
-              <a:t>21.04.2023</a:t>
+              <a:t>23.04.2023</a:t>
             </a:fld>
             <a:endParaRPr lang="uk-UA"/>
           </a:p>
@@ -10191,7 +10197,7 @@
           <a:p>
             <a:fld id="{F2193382-E9FB-4002-95B7-60D75325AF88}" type="datetimeFigureOut">
               <a:rPr lang="uk-UA" smtClean="0"/>
-              <a:t>21.04.2023</a:t>
+              <a:t>23.04.2023</a:t>
             </a:fld>
             <a:endParaRPr lang="uk-UA"/>
           </a:p>
@@ -10474,7 +10480,7 @@
           <a:p>
             <a:fld id="{F2193382-E9FB-4002-95B7-60D75325AF88}" type="datetimeFigureOut">
               <a:rPr lang="uk-UA" smtClean="0"/>
-              <a:t>21.04.2023</a:t>
+              <a:t>23.04.2023</a:t>
             </a:fld>
             <a:endParaRPr lang="uk-UA"/>
           </a:p>
@@ -10880,7 +10886,7 @@
           <a:p>
             <a:fld id="{F2193382-E9FB-4002-95B7-60D75325AF88}" type="datetimeFigureOut">
               <a:rPr lang="uk-UA" smtClean="0"/>
-              <a:t>21.04.2023</a:t>
+              <a:t>23.04.2023</a:t>
             </a:fld>
             <a:endParaRPr lang="uk-UA"/>
           </a:p>
@@ -11522,13 +11528,13 @@
   <p:clrMapOvr>
     <a:masterClrMapping/>
   </p:clrMapOvr>
-  <mc:AlternateContent xmlns:mc="http://schemas.openxmlformats.org/markup-compatibility/2006">
-    <mc:Choice xmlns:p159="http://schemas.microsoft.com/office/powerpoint/2015/09/main" Requires="p159">
+  <mc:AlternateContent xmlns:mc="http://schemas.openxmlformats.org/markup-compatibility/2006" xmlns:p159="http://schemas.microsoft.com/office/powerpoint/2015/09/main">
+    <mc:Choice Requires="p159">
       <p:transition xmlns:p14="http://schemas.microsoft.com/office/powerpoint/2010/main" spd="slow" p14:dur="2000">
         <p159:morph option="byObject"/>
       </p:transition>
     </mc:Choice>
-    <mc:Fallback>
+    <mc:Fallback xmlns="">
       <p:transition spd="slow">
         <p:fade/>
       </p:transition>
@@ -11606,6 +11612,38 @@
               </a:rPr>
               <a:t> Костянтин</a:t>
             </a:r>
+            <a:r>
+              <a:rPr lang="en-US" sz="1100" dirty="0">
+                <a:solidFill>
+                  <a:srgbClr val="002060"/>
+                </a:solidFill>
+              </a:rPr>
+              <a:t> </a:t>
+            </a:r>
+            <a:r>
+              <a:rPr lang="uk-UA" sz="1100" dirty="0">
+                <a:solidFill>
+                  <a:srgbClr val="002060"/>
+                </a:solidFill>
+              </a:rPr>
+              <a:t>учень</a:t>
+            </a:r>
+            <a:r>
+              <a:rPr lang="en-US" sz="1100" dirty="0">
+                <a:solidFill>
+                  <a:srgbClr val="002060"/>
+                </a:solidFill>
+              </a:rPr>
+              <a:t> GO ITEENS</a:t>
+            </a:r>
+            <a:r>
+              <a:rPr lang="uk-UA" sz="1100" dirty="0">
+                <a:solidFill>
+                  <a:srgbClr val="002060"/>
+                </a:solidFill>
+              </a:rPr>
+              <a:t> </a:t>
+            </a:r>
           </a:p>
         </p:txBody>
       </p:sp>
@@ -11704,13 +11742,13 @@
   <p:clrMapOvr>
     <a:masterClrMapping/>
   </p:clrMapOvr>
-  <mc:AlternateContent xmlns:mc="http://schemas.openxmlformats.org/markup-compatibility/2006">
-    <mc:Choice xmlns:p159="http://schemas.microsoft.com/office/powerpoint/2015/09/main" Requires="p159">
+  <mc:AlternateContent xmlns:mc="http://schemas.openxmlformats.org/markup-compatibility/2006" xmlns:p159="http://schemas.microsoft.com/office/powerpoint/2015/09/main">
+    <mc:Choice Requires="p159">
       <p:transition xmlns:p14="http://schemas.microsoft.com/office/powerpoint/2010/main" spd="slow" p14:dur="2000">
         <p159:morph option="byObject"/>
       </p:transition>
     </mc:Choice>
-    <mc:Fallback>
+    <mc:Fallback xmlns="">
       <p:transition spd="slow">
         <p:fade/>
       </p:transition>
@@ -11776,13 +11814,13 @@
   <p:clrMapOvr>
     <a:masterClrMapping/>
   </p:clrMapOvr>
-  <mc:AlternateContent xmlns:mc="http://schemas.openxmlformats.org/markup-compatibility/2006">
-    <mc:Choice xmlns:p159="http://schemas.microsoft.com/office/powerpoint/2015/09/main" Requires="p159">
+  <mc:AlternateContent xmlns:mc="http://schemas.openxmlformats.org/markup-compatibility/2006" xmlns:p159="http://schemas.microsoft.com/office/powerpoint/2015/09/main">
+    <mc:Choice Requires="p159">
       <p:transition xmlns:p14="http://schemas.microsoft.com/office/powerpoint/2010/main" spd="slow" p14:dur="2000">
         <p159:morph option="byObject"/>
       </p:transition>
     </mc:Choice>
-    <mc:Fallback>
+    <mc:Fallback xmlns="">
       <p:transition spd="slow">
         <p:fade/>
       </p:transition>
@@ -11823,7 +11861,7 @@
           <p:nvPr>
             <p:extLst>
               <p:ext uri="{D42A27DB-BD31-4B8C-83A1-F6EECF244321}">
-                <p14:modId xmlns:p14="http://schemas.microsoft.com/office/powerpoint/2010/main" val="1821327929"/>
+                <p14:modId xmlns:p14="http://schemas.microsoft.com/office/powerpoint/2010/main" val="2041140533"/>
               </p:ext>
             </p:extLst>
           </p:nvPr>
@@ -11856,8 +11894,8 @@
         </p:nvSpPr>
         <p:spPr>
           <a:xfrm>
-            <a:off x="-118872" y="-186267"/>
-            <a:ext cx="8534400" cy="3615267"/>
+            <a:off x="1481328" y="-119689"/>
+            <a:ext cx="7900416" cy="2490555"/>
           </a:xfrm>
         </p:spPr>
         <p:txBody>
@@ -11867,34 +11905,25 @@
           <a:lstStyle/>
           <a:p>
             <a:r>
-              <a:rPr lang="uk-UA" sz="1800" dirty="0">
+              <a:rPr lang="uk-UA" dirty="0">
                 <a:solidFill>
-                  <a:schemeClr val="bg2">
-                    <a:lumMod val="20000"/>
-                    <a:lumOff val="80000"/>
-                  </a:schemeClr>
+                  <a:schemeClr val="tx1"/>
                 </a:solidFill>
               </a:rPr>
               <a:t>Ціль бота допомогти людям з пошуком культових </a:t>
             </a:r>
             <a:r>
-              <a:rPr lang="uk-UA" sz="1800" dirty="0" err="1">
+              <a:rPr lang="uk-UA" dirty="0" err="1">
                 <a:solidFill>
-                  <a:schemeClr val="bg2">
-                    <a:lumMod val="20000"/>
-                    <a:lumOff val="80000"/>
-                  </a:schemeClr>
+                  <a:schemeClr val="tx1"/>
                 </a:solidFill>
               </a:rPr>
               <a:t>аніме</a:t>
             </a:r>
             <a:r>
-              <a:rPr lang="uk-UA" sz="1800" dirty="0">
+              <a:rPr lang="uk-UA" dirty="0">
                 <a:solidFill>
-                  <a:schemeClr val="bg2">
-                    <a:lumMod val="20000"/>
-                    <a:lumOff val="80000"/>
-                  </a:schemeClr>
+                  <a:schemeClr val="tx1"/>
                 </a:solidFill>
               </a:rPr>
               <a:t> серіалів-фільмів.</a:t>
@@ -11912,13 +11941,13 @@
   <p:clrMapOvr>
     <a:masterClrMapping/>
   </p:clrMapOvr>
-  <mc:AlternateContent xmlns:mc="http://schemas.openxmlformats.org/markup-compatibility/2006">
-    <mc:Choice xmlns:p159="http://schemas.microsoft.com/office/powerpoint/2015/09/main" Requires="p159">
+  <mc:AlternateContent xmlns:mc="http://schemas.openxmlformats.org/markup-compatibility/2006" xmlns:p159="http://schemas.microsoft.com/office/powerpoint/2015/09/main">
+    <mc:Choice Requires="p159">
       <p:transition xmlns:p14="http://schemas.microsoft.com/office/powerpoint/2010/main" spd="slow" p14:dur="2000">
         <p159:morph option="byObject"/>
       </p:transition>
     </mc:Choice>
-    <mc:Fallback>
+    <mc:Fallback xmlns="">
       <p:transition spd="slow">
         <p:fade/>
       </p:transition>
@@ -12295,22 +12324,28 @@
           <a:p>
             <a:r>
               <a:rPr lang="uk-UA" dirty="0"/>
-              <a:t>До критики відкритий, чекаю на можливі </a:t>
+              <a:t>В цьому проекті я використовував такі бібліотеки як</a:t>
             </a:r>
             <a:r>
-              <a:rPr lang="uk-UA" dirty="0" err="1"/>
-              <a:t>запитанння</a:t>
+              <a:rPr lang="en-US" dirty="0"/>
+              <a:t>:</a:t>
             </a:r>
+          </a:p>
+          <a:p>
             <a:r>
-              <a:rPr lang="uk-UA" dirty="0"/>
-              <a:t>.</a:t>
+              <a:rPr lang="en-US" dirty="0" err="1"/>
+              <a:t>Aiogram</a:t>
             </a:r>
+            <a:endParaRPr lang="en-US" dirty="0"/>
           </a:p>
           <a:p>
             <a:r>
-              <a:rPr lang="uk-UA" dirty="0"/>
-              <a:t>Дякую за увагу!</a:t>
+              <a:rPr lang="en-US" dirty="0"/>
+              <a:t>Git Hub</a:t>
             </a:r>
+          </a:p>
+          <a:p>
+            <a:endParaRPr lang="uk-UA" dirty="0"/>
           </a:p>
         </p:txBody>
       </p:sp>
@@ -12324,13 +12359,13 @@
   <p:clrMapOvr>
     <a:masterClrMapping/>
   </p:clrMapOvr>
-  <mc:AlternateContent xmlns:mc="http://schemas.openxmlformats.org/markup-compatibility/2006">
-    <mc:Choice xmlns:p14="http://schemas.microsoft.com/office/powerpoint/2010/main" Requires="p14">
+  <mc:AlternateContent xmlns:mc="http://schemas.openxmlformats.org/markup-compatibility/2006" xmlns:p14="http://schemas.microsoft.com/office/powerpoint/2010/main">
+    <mc:Choice Requires="p14">
       <p:transition spd="med" p14:dur="700">
         <p:fade/>
       </p:transition>
     </mc:Choice>
-    <mc:Fallback>
+    <mc:Fallback xmlns="">
       <p:transition spd="med">
         <p:fade/>
       </p:transition>
@@ -12466,6 +12501,67 @@
                       </p:childTnLst>
                     </p:cTn>
                   </p:par>
+                  <p:par>
+                    <p:cTn id="13" fill="hold">
+                      <p:stCondLst>
+                        <p:cond delay="indefinite"/>
+                      </p:stCondLst>
+                      <p:childTnLst>
+                        <p:par>
+                          <p:cTn id="14" fill="hold">
+                            <p:stCondLst>
+                              <p:cond delay="0"/>
+                            </p:stCondLst>
+                            <p:childTnLst>
+                              <p:par>
+                                <p:cTn id="15" presetID="10" presetClass="entr" presetSubtype="0" fill="hold" grpId="0" nodeType="clickEffect">
+                                  <p:stCondLst>
+                                    <p:cond delay="0"/>
+                                  </p:stCondLst>
+                                  <p:childTnLst>
+                                    <p:set>
+                                      <p:cBhvr>
+                                        <p:cTn id="16" dur="1" fill="hold">
+                                          <p:stCondLst>
+                                            <p:cond delay="0"/>
+                                          </p:stCondLst>
+                                        </p:cTn>
+                                        <p:tgtEl>
+                                          <p:spTgt spid="4">
+                                            <p:txEl>
+                                              <p:pRg st="2" end="2"/>
+                                            </p:txEl>
+                                          </p:spTgt>
+                                        </p:tgtEl>
+                                        <p:attrNameLst>
+                                          <p:attrName>style.visibility</p:attrName>
+                                        </p:attrNameLst>
+                                      </p:cBhvr>
+                                      <p:to>
+                                        <p:strVal val="visible"/>
+                                      </p:to>
+                                    </p:set>
+                                    <p:animEffect transition="in" filter="fade">
+                                      <p:cBhvr>
+                                        <p:cTn id="17" dur="500"/>
+                                        <p:tgtEl>
+                                          <p:spTgt spid="4">
+                                            <p:txEl>
+                                              <p:pRg st="2" end="2"/>
+                                            </p:txEl>
+                                          </p:spTgt>
+                                        </p:tgtEl>
+                                      </p:cBhvr>
+                                    </p:animEffect>
+                                  </p:childTnLst>
+                                </p:cTn>
+                              </p:par>
+                            </p:childTnLst>
+                          </p:cTn>
+                        </p:par>
+                      </p:childTnLst>
+                    </p:cTn>
+                  </p:par>
                 </p:childTnLst>
               </p:cTn>
               <p:prevCondLst>
@@ -12489,6 +12585,253 @@
     </p:tnLst>
     <p:bldLst>
       <p:bldP spid="4" grpId="0" build="p"/>
+    </p:bldLst>
+  </p:timing>
+</p:sld>
+</file>
+
+<file path=ppt/slides/slide6.xml><?xml version="1.0" encoding="utf-8"?>
+<p:sld xmlns:a="http://schemas.openxmlformats.org/drawingml/2006/main" xmlns:r="http://schemas.openxmlformats.org/officeDocument/2006/relationships" xmlns:p="http://schemas.openxmlformats.org/presentationml/2006/main">
+  <p:cSld>
+    <p:spTree>
+      <p:nvGrpSpPr>
+        <p:cNvPr id="1" name=""/>
+        <p:cNvGrpSpPr/>
+        <p:nvPr/>
+      </p:nvGrpSpPr>
+      <p:grpSpPr>
+        <a:xfrm>
+          <a:off x="0" y="0"/>
+          <a:ext cx="0" cy="0"/>
+          <a:chOff x="0" y="0"/>
+          <a:chExt cx="0" cy="0"/>
+        </a:xfrm>
+      </p:grpSpPr>
+      <p:sp>
+        <p:nvSpPr>
+          <p:cNvPr id="3" name="Объект 2">
+            <a:extLst>
+              <a:ext uri="{FF2B5EF4-FFF2-40B4-BE49-F238E27FC236}">
+                <a16:creationId xmlns:a16="http://schemas.microsoft.com/office/drawing/2014/main" id="{B844D95E-7633-BCF5-9E7F-45E694C75086}"/>
+              </a:ext>
+            </a:extLst>
+          </p:cNvPr>
+          <p:cNvSpPr>
+            <a:spLocks noGrp="1"/>
+          </p:cNvSpPr>
+          <p:nvPr>
+            <p:ph idx="1"/>
+          </p:nvPr>
+        </p:nvSpPr>
+        <p:spPr>
+          <a:xfrm>
+            <a:off x="1463040" y="786384"/>
+            <a:ext cx="8534400" cy="3615267"/>
+          </a:xfrm>
+        </p:spPr>
+        <p:txBody>
+          <a:bodyPr/>
+          <a:lstStyle/>
+          <a:p>
+            <a:r>
+              <a:rPr lang="uk-UA" sz="2800" dirty="0">
+                <a:solidFill>
+                  <a:schemeClr val="tx1"/>
+                </a:solidFill>
+              </a:rPr>
+              <a:t>Чекаю на ваші можливі запитання</a:t>
+            </a:r>
+          </a:p>
+          <a:p>
+            <a:r>
+              <a:rPr lang="uk-UA" sz="2800" dirty="0">
+                <a:solidFill>
+                  <a:schemeClr val="tx1"/>
+                </a:solidFill>
+              </a:rPr>
+              <a:t>Дякую за увагу!!</a:t>
+            </a:r>
+          </a:p>
+          <a:p>
+            <a:endParaRPr lang="uk-UA" dirty="0"/>
+          </a:p>
+        </p:txBody>
+      </p:sp>
+    </p:spTree>
+    <p:extLst>
+      <p:ext uri="{BB962C8B-B14F-4D97-AF65-F5344CB8AC3E}">
+        <p14:creationId xmlns:p14="http://schemas.microsoft.com/office/powerpoint/2010/main" val="299366774"/>
+      </p:ext>
+    </p:extLst>
+  </p:cSld>
+  <p:clrMapOvr>
+    <a:masterClrMapping/>
+  </p:clrMapOvr>
+  <mc:AlternateContent xmlns:mc="http://schemas.openxmlformats.org/markup-compatibility/2006">
+    <mc:Choice xmlns:p14="http://schemas.microsoft.com/office/powerpoint/2010/main" Requires="p14">
+      <p:transition spd="med" p14:dur="700">
+        <p:fade/>
+      </p:transition>
+    </mc:Choice>
+    <mc:Fallback>
+      <p:transition spd="med">
+        <p:fade/>
+      </p:transition>
+    </mc:Fallback>
+  </mc:AlternateContent>
+  <p:timing>
+    <p:tnLst>
+      <p:par>
+        <p:cTn id="1" dur="indefinite" restart="never" nodeType="tmRoot">
+          <p:childTnLst>
+            <p:seq concurrent="1" nextAc="seek">
+              <p:cTn id="2" dur="indefinite" nodeType="mainSeq">
+                <p:childTnLst>
+                  <p:par>
+                    <p:cTn id="3" fill="hold">
+                      <p:stCondLst>
+                        <p:cond delay="indefinite"/>
+                      </p:stCondLst>
+                      <p:childTnLst>
+                        <p:par>
+                          <p:cTn id="4" fill="hold">
+                            <p:stCondLst>
+                              <p:cond delay="0"/>
+                            </p:stCondLst>
+                            <p:childTnLst>
+                              <p:par>
+                                <p:cTn id="5" presetID="10" presetClass="entr" presetSubtype="0" fill="hold" grpId="0" nodeType="clickEffect">
+                                  <p:stCondLst>
+                                    <p:cond delay="0"/>
+                                  </p:stCondLst>
+                                  <p:childTnLst>
+                                    <p:set>
+                                      <p:cBhvr>
+                                        <p:cTn id="6" dur="1" fill="hold">
+                                          <p:stCondLst>
+                                            <p:cond delay="0"/>
+                                          </p:stCondLst>
+                                        </p:cTn>
+                                        <p:tgtEl>
+                                          <p:spTgt spid="3">
+                                            <p:txEl>
+                                              <p:pRg st="0" end="0"/>
+                                            </p:txEl>
+                                          </p:spTgt>
+                                        </p:tgtEl>
+                                        <p:attrNameLst>
+                                          <p:attrName>style.visibility</p:attrName>
+                                        </p:attrNameLst>
+                                      </p:cBhvr>
+                                      <p:to>
+                                        <p:strVal val="visible"/>
+                                      </p:to>
+                                    </p:set>
+                                    <p:animEffect transition="in" filter="fade">
+                                      <p:cBhvr>
+                                        <p:cTn id="7" dur="500"/>
+                                        <p:tgtEl>
+                                          <p:spTgt spid="3">
+                                            <p:txEl>
+                                              <p:pRg st="0" end="0"/>
+                                            </p:txEl>
+                                          </p:spTgt>
+                                        </p:tgtEl>
+                                      </p:cBhvr>
+                                    </p:animEffect>
+                                  </p:childTnLst>
+                                </p:cTn>
+                              </p:par>
+                            </p:childTnLst>
+                          </p:cTn>
+                        </p:par>
+                      </p:childTnLst>
+                    </p:cTn>
+                  </p:par>
+                  <p:par>
+                    <p:cTn id="8" fill="hold">
+                      <p:stCondLst>
+                        <p:cond delay="indefinite"/>
+                      </p:stCondLst>
+                      <p:childTnLst>
+                        <p:par>
+                          <p:cTn id="9" fill="hold">
+                            <p:stCondLst>
+                              <p:cond delay="0"/>
+                            </p:stCondLst>
+                            <p:childTnLst>
+                              <p:par>
+                                <p:cTn id="10" presetID="10" presetClass="entr" presetSubtype="0" fill="hold" grpId="0" nodeType="clickEffect">
+                                  <p:stCondLst>
+                                    <p:cond delay="0"/>
+                                  </p:stCondLst>
+                                  <p:childTnLst>
+                                    <p:set>
+                                      <p:cBhvr>
+                                        <p:cTn id="11" dur="1" fill="hold">
+                                          <p:stCondLst>
+                                            <p:cond delay="0"/>
+                                          </p:stCondLst>
+                                        </p:cTn>
+                                        <p:tgtEl>
+                                          <p:spTgt spid="3">
+                                            <p:txEl>
+                                              <p:pRg st="1" end="1"/>
+                                            </p:txEl>
+                                          </p:spTgt>
+                                        </p:tgtEl>
+                                        <p:attrNameLst>
+                                          <p:attrName>style.visibility</p:attrName>
+                                        </p:attrNameLst>
+                                      </p:cBhvr>
+                                      <p:to>
+                                        <p:strVal val="visible"/>
+                                      </p:to>
+                                    </p:set>
+                                    <p:animEffect transition="in" filter="fade">
+                                      <p:cBhvr>
+                                        <p:cTn id="12" dur="500"/>
+                                        <p:tgtEl>
+                                          <p:spTgt spid="3">
+                                            <p:txEl>
+                                              <p:pRg st="1" end="1"/>
+                                            </p:txEl>
+                                          </p:spTgt>
+                                        </p:tgtEl>
+                                      </p:cBhvr>
+                                    </p:animEffect>
+                                  </p:childTnLst>
+                                </p:cTn>
+                              </p:par>
+                            </p:childTnLst>
+                          </p:cTn>
+                        </p:par>
+                      </p:childTnLst>
+                    </p:cTn>
+                  </p:par>
+                </p:childTnLst>
+              </p:cTn>
+              <p:prevCondLst>
+                <p:cond evt="onPrev" delay="0">
+                  <p:tgtEl>
+                    <p:sldTgt/>
+                  </p:tgtEl>
+                </p:cond>
+              </p:prevCondLst>
+              <p:nextCondLst>
+                <p:cond evt="onNext" delay="0">
+                  <p:tgtEl>
+                    <p:sldTgt/>
+                  </p:tgtEl>
+                </p:cond>
+              </p:nextCondLst>
+            </p:seq>
+          </p:childTnLst>
+        </p:cTn>
+      </p:par>
+    </p:tnLst>
+    <p:bldLst>
+      <p:bldP spid="3" grpId="0" build="p"/>
     </p:bldLst>
   </p:timing>
 </p:sld>
